--- a/07-Photoshop.pptx
+++ b/07-Photoshop.pptx
@@ -239,7 +239,7 @@
           <a:p>
             <a:fld id="{2E054F57-E93D-4CC3-8A27-2F256E70BB98}" type="datetimeFigureOut">
               <a:rPr lang="en-US" smtClean="0"/>
-              <a:t>03 Aug 15</a:t>
+              <a:t>07 Aug 15</a:t>
             </a:fld>
             <a:endParaRPr lang="en-US"/>
           </a:p>
@@ -1612,7 +1612,7 @@
           <a:p>
             <a:fld id="{3EA744D9-3FBE-48D8-BF2A-85DF203E4D20}" type="datetimeFigureOut">
               <a:rPr lang="bg-BG" smtClean="0"/>
-              <a:t>3.8.2015 г.</a:t>
+              <a:t>7.8.2015 г.</a:t>
             </a:fld>
             <a:endParaRPr lang="bg-BG"/>
           </a:p>
@@ -1782,7 +1782,7 @@
           <a:p>
             <a:fld id="{3EA744D9-3FBE-48D8-BF2A-85DF203E4D20}" type="datetimeFigureOut">
               <a:rPr lang="bg-BG" smtClean="0"/>
-              <a:t>3.8.2015 г.</a:t>
+              <a:t>7.8.2015 г.</a:t>
             </a:fld>
             <a:endParaRPr lang="bg-BG"/>
           </a:p>
@@ -1962,7 +1962,7 @@
           <a:p>
             <a:fld id="{3EA744D9-3FBE-48D8-BF2A-85DF203E4D20}" type="datetimeFigureOut">
               <a:rPr lang="bg-BG" smtClean="0"/>
-              <a:t>3.8.2015 г.</a:t>
+              <a:t>7.8.2015 г.</a:t>
             </a:fld>
             <a:endParaRPr lang="bg-BG"/>
           </a:p>
@@ -2132,7 +2132,7 @@
           <a:p>
             <a:fld id="{3EA744D9-3FBE-48D8-BF2A-85DF203E4D20}" type="datetimeFigureOut">
               <a:rPr lang="bg-BG" smtClean="0"/>
-              <a:t>3.8.2015 г.</a:t>
+              <a:t>7.8.2015 г.</a:t>
             </a:fld>
             <a:endParaRPr lang="bg-BG"/>
           </a:p>
@@ -2378,7 +2378,7 @@
           <a:p>
             <a:fld id="{3EA744D9-3FBE-48D8-BF2A-85DF203E4D20}" type="datetimeFigureOut">
               <a:rPr lang="bg-BG" smtClean="0"/>
-              <a:t>3.8.2015 г.</a:t>
+              <a:t>7.8.2015 г.</a:t>
             </a:fld>
             <a:endParaRPr lang="bg-BG"/>
           </a:p>
@@ -2666,7 +2666,7 @@
           <a:p>
             <a:fld id="{3EA744D9-3FBE-48D8-BF2A-85DF203E4D20}" type="datetimeFigureOut">
               <a:rPr lang="bg-BG" smtClean="0"/>
-              <a:t>3.8.2015 г.</a:t>
+              <a:t>7.8.2015 г.</a:t>
             </a:fld>
             <a:endParaRPr lang="bg-BG"/>
           </a:p>
@@ -3088,7 +3088,7 @@
           <a:p>
             <a:fld id="{3EA744D9-3FBE-48D8-BF2A-85DF203E4D20}" type="datetimeFigureOut">
               <a:rPr lang="bg-BG" smtClean="0"/>
-              <a:t>3.8.2015 г.</a:t>
+              <a:t>7.8.2015 г.</a:t>
             </a:fld>
             <a:endParaRPr lang="bg-BG"/>
           </a:p>
@@ -3206,7 +3206,7 @@
           <a:p>
             <a:fld id="{3EA744D9-3FBE-48D8-BF2A-85DF203E4D20}" type="datetimeFigureOut">
               <a:rPr lang="bg-BG" smtClean="0"/>
-              <a:t>3.8.2015 г.</a:t>
+              <a:t>7.8.2015 г.</a:t>
             </a:fld>
             <a:endParaRPr lang="bg-BG"/>
           </a:p>
@@ -3301,7 +3301,7 @@
           <a:p>
             <a:fld id="{3EA744D9-3FBE-48D8-BF2A-85DF203E4D20}" type="datetimeFigureOut">
               <a:rPr lang="bg-BG" smtClean="0"/>
-              <a:t>3.8.2015 г.</a:t>
+              <a:t>7.8.2015 г.</a:t>
             </a:fld>
             <a:endParaRPr lang="bg-BG"/>
           </a:p>
@@ -3578,7 +3578,7 @@
           <a:p>
             <a:fld id="{3EA744D9-3FBE-48D8-BF2A-85DF203E4D20}" type="datetimeFigureOut">
               <a:rPr lang="bg-BG" smtClean="0"/>
-              <a:t>3.8.2015 г.</a:t>
+              <a:t>7.8.2015 г.</a:t>
             </a:fld>
             <a:endParaRPr lang="bg-BG"/>
           </a:p>
@@ -3831,7 +3831,7 @@
           <a:p>
             <a:fld id="{3EA744D9-3FBE-48D8-BF2A-85DF203E4D20}" type="datetimeFigureOut">
               <a:rPr lang="bg-BG" smtClean="0"/>
-              <a:t>3.8.2015 г.</a:t>
+              <a:t>7.8.2015 г.</a:t>
             </a:fld>
             <a:endParaRPr lang="bg-BG"/>
           </a:p>
@@ -4053,7 +4053,7 @@
           <a:p>
             <a:fld id="{3EA744D9-3FBE-48D8-BF2A-85DF203E4D20}" type="datetimeFigureOut">
               <a:rPr lang="bg-BG" smtClean="0"/>
-              <a:t>3.8.2015 г.</a:t>
+              <a:t>7.8.2015 г.</a:t>
             </a:fld>
             <a:endParaRPr lang="bg-BG"/>
           </a:p>
@@ -8836,7 +8836,7 @@
         <p:spPr>
           <a:xfrm>
             <a:off x="762000" y="1676400"/>
-            <a:ext cx="7620000" cy="4648200"/>
+            <a:ext cx="7620000" cy="5181600"/>
           </a:xfrm>
         </p:spPr>
         <p:txBody>
@@ -8849,7 +8849,7 @@
               <a:buAutoNum type="arabicPeriod"/>
             </a:pPr>
             <a:r>
-              <a:rPr lang="bg-BG" sz="1800" b="1" dirty="0" smtClean="0">
+              <a:rPr lang="bg-BG" sz="2000" b="1" dirty="0" smtClean="0">
                 <a:solidFill>
                   <a:schemeClr val="bg1">
                     <a:lumMod val="95000"/>
@@ -8859,7 +8859,7 @@
               <a:t>Използвайки </a:t>
             </a:r>
             <a:r>
-              <a:rPr lang="en-US" sz="1800" b="1" dirty="0" smtClean="0">
+              <a:rPr lang="en-US" sz="2000" b="1" dirty="0" smtClean="0">
                 <a:solidFill>
                   <a:schemeClr val="bg1">
                     <a:lumMod val="95000"/>
@@ -8869,7 +8869,7 @@
               <a:t>PSD </a:t>
             </a:r>
             <a:r>
-              <a:rPr lang="bg-BG" sz="1800" b="1" dirty="0" smtClean="0">
+              <a:rPr lang="bg-BG" sz="2000" b="1" dirty="0" smtClean="0">
                 <a:solidFill>
                   <a:schemeClr val="bg1">
                     <a:lumMod val="95000"/>
@@ -8879,7 +8879,7 @@
               <a:t>файла </a:t>
             </a:r>
             <a:r>
-              <a:rPr lang="en-US" sz="1800" b="1" dirty="0" smtClean="0">
+              <a:rPr lang="en-US" sz="2000" b="1" dirty="0" smtClean="0">
                 <a:solidFill>
                   <a:schemeClr val="bg1">
                     <a:lumMod val="95000"/>
@@ -8889,7 +8889,7 @@
               <a:t>07-Photoshop-Tasks\task1.psd</a:t>
             </a:r>
             <a:r>
-              <a:rPr lang="bg-BG" sz="1800" b="1" dirty="0" smtClean="0">
+              <a:rPr lang="bg-BG" sz="2000" b="1" dirty="0" smtClean="0">
                 <a:solidFill>
                   <a:schemeClr val="bg1">
                     <a:lumMod val="95000"/>
@@ -8905,7 +8905,7 @@
               <a:buChar char="§"/>
             </a:pPr>
             <a:r>
-              <a:rPr lang="bg-BG" sz="1800" b="1" dirty="0" smtClean="0">
+              <a:rPr lang="bg-BG" sz="1600" b="1" dirty="0" smtClean="0">
                 <a:solidFill>
                   <a:schemeClr val="bg1">
                     <a:lumMod val="95000"/>
@@ -8921,7 +8921,7 @@
               <a:buChar char="§"/>
             </a:pPr>
             <a:r>
-              <a:rPr lang="bg-BG" sz="1800" b="1" dirty="0" smtClean="0">
+              <a:rPr lang="bg-BG" sz="1600" b="1" dirty="0" smtClean="0">
                 <a:solidFill>
                   <a:schemeClr val="bg1">
                     <a:lumMod val="95000"/>
@@ -8931,7 +8931,7 @@
               <a:t>Менюто трябва да има </a:t>
             </a:r>
             <a:r>
-              <a:rPr lang="en-US" sz="1800" b="1" dirty="0" smtClean="0">
+              <a:rPr lang="en-US" sz="1600" b="1" dirty="0" smtClean="0">
                 <a:solidFill>
                   <a:schemeClr val="bg1">
                     <a:lumMod val="95000"/>
@@ -8941,7 +8941,7 @@
               <a:t>hover </a:t>
             </a:r>
             <a:r>
-              <a:rPr lang="bg-BG" sz="1800" b="1" dirty="0" smtClean="0">
+              <a:rPr lang="bg-BG" sz="1600" b="1" dirty="0" smtClean="0">
                 <a:solidFill>
                   <a:schemeClr val="bg1">
                     <a:lumMod val="95000"/>
@@ -8951,7 +8951,7 @@
               <a:t>ефект</a:t>
             </a:r>
             <a:r>
-              <a:rPr lang="en-US" sz="1800" b="1" dirty="0">
+              <a:rPr lang="en-US" sz="1600" b="1" dirty="0" smtClean="0">
                 <a:solidFill>
                   <a:schemeClr val="bg1">
                     <a:lumMod val="95000"/>
@@ -8961,7 +8961,7 @@
               <a:t> </a:t>
             </a:r>
             <a:r>
-              <a:rPr lang="bg-BG" sz="1800" b="1" dirty="0" smtClean="0">
+              <a:rPr lang="bg-BG" sz="1600" b="1" dirty="0" smtClean="0">
                 <a:solidFill>
                   <a:schemeClr val="bg1">
                     <a:lumMod val="95000"/>
@@ -8971,7 +8971,7 @@
               <a:t>и ефект, който </a:t>
             </a:r>
             <a:r>
-              <a:rPr lang="en-US" sz="1800" b="1" dirty="0" smtClean="0">
+              <a:rPr lang="en-US" sz="1600" b="1" dirty="0" smtClean="0">
                 <a:solidFill>
                   <a:schemeClr val="bg1">
                     <a:lumMod val="95000"/>
@@ -8981,7 +8981,7 @@
               <a:t>highlight-</a:t>
             </a:r>
             <a:r>
-              <a:rPr lang="bg-BG" sz="1800" b="1" dirty="0" smtClean="0">
+              <a:rPr lang="bg-BG" sz="1600" b="1" dirty="0" smtClean="0">
                 <a:solidFill>
                   <a:schemeClr val="bg1">
                     <a:lumMod val="95000"/>
@@ -8992,239 +8992,252 @@
             </a:r>
           </a:p>
           <a:p>
-            <a:pPr lvl="1" indent="-342900">
-              <a:buFont typeface="Wingdings" panose="05000000000000000000" pitchFamily="2" charset="2"/>
-              <a:buChar char="§"/>
-            </a:pPr>
-            <a:r>
-              <a:rPr lang="bg-BG" sz="1800" b="1" dirty="0" smtClean="0">
+            <a:pPr marL="457200" indent="-457200">
+              <a:buAutoNum type="arabicPeriod"/>
+            </a:pPr>
+            <a:r>
+              <a:rPr lang="bg-BG" sz="2000" b="1" dirty="0" smtClean="0">
                 <a:solidFill>
                   <a:schemeClr val="bg1">
                     <a:lumMod val="95000"/>
                   </a:schemeClr>
                 </a:solidFill>
               </a:rPr>
-              <a:t>По желание менюто може да има </a:t>
-            </a:r>
-            <a:r>
-              <a:rPr lang="en-US" sz="1800" b="1" dirty="0" smtClean="0">
+              <a:t>Използвайки </a:t>
+            </a:r>
+            <a:r>
+              <a:rPr lang="en-US" sz="2000" b="1" dirty="0" smtClean="0">
                 <a:solidFill>
                   <a:schemeClr val="bg1">
                     <a:lumMod val="95000"/>
                   </a:schemeClr>
                 </a:solidFill>
               </a:rPr>
-              <a:t>focus </a:t>
-            </a:r>
-            <a:r>
-              <a:rPr lang="bg-BG" sz="1800" b="1" dirty="0" smtClean="0">
+              <a:t>PSD </a:t>
+            </a:r>
+            <a:r>
+              <a:rPr lang="bg-BG" sz="2000" b="1" dirty="0" smtClean="0">
                 <a:solidFill>
                   <a:schemeClr val="bg1">
                     <a:lumMod val="95000"/>
                   </a:schemeClr>
                 </a:solidFill>
               </a:rPr>
-              <a:t>ефекти</a:t>
-            </a:r>
-          </a:p>
-          <a:p>
-            <a:pPr marL="457200" indent="-457200">
-              <a:buAutoNum type="arabicPeriod"/>
-            </a:pPr>
-            <a:r>
-              <a:rPr lang="bg-BG" sz="1800" b="1" dirty="0" smtClean="0">
+              <a:t>файла </a:t>
+            </a:r>
+            <a:r>
+              <a:rPr lang="en-US" sz="2000" b="1" dirty="0" smtClean="0">
                 <a:solidFill>
                   <a:schemeClr val="bg1">
                     <a:lumMod val="95000"/>
                   </a:schemeClr>
                 </a:solidFill>
               </a:rPr>
-              <a:t>Използвайки </a:t>
-            </a:r>
-            <a:r>
-              <a:rPr lang="en-US" sz="1800" b="1" dirty="0" smtClean="0">
+              <a:t>07-Photoshop-Tasks\task2.psd, </a:t>
+            </a:r>
+            <a:r>
+              <a:rPr lang="bg-BG" sz="2000" b="1" dirty="0" smtClean="0">
                 <a:solidFill>
                   <a:schemeClr val="bg1">
                     <a:lumMod val="95000"/>
                   </a:schemeClr>
                 </a:solidFill>
               </a:rPr>
-              <a:t>PSD </a:t>
-            </a:r>
-            <a:r>
-              <a:rPr lang="bg-BG" sz="1800" b="1" dirty="0" smtClean="0">
+              <a:t>направете уеб страница, която съдържа 6 изображения – </a:t>
+            </a:r>
+            <a:r>
+              <a:rPr lang="en-US" sz="2000" b="1" dirty="0" smtClean="0">
                 <a:solidFill>
                   <a:schemeClr val="bg1">
                     <a:lumMod val="95000"/>
                   </a:schemeClr>
                 </a:solidFill>
               </a:rPr>
-              <a:t>файла </a:t>
-            </a:r>
-            <a:r>
-              <a:rPr lang="en-US" sz="1800" b="1" dirty="0" smtClean="0">
+              <a:t>PNG, JPEG </a:t>
+            </a:r>
+            <a:r>
+              <a:rPr lang="bg-BG" sz="2000" b="1" dirty="0" smtClean="0">
                 <a:solidFill>
                   <a:schemeClr val="bg1">
                     <a:lumMod val="95000"/>
                   </a:schemeClr>
                 </a:solidFill>
               </a:rPr>
-              <a:t>07-Photoshop-Tasks\task2.psd, </a:t>
-            </a:r>
-            <a:r>
-              <a:rPr lang="bg-BG" sz="1800" b="1" dirty="0" smtClean="0">
+              <a:t>и </a:t>
+            </a:r>
+            <a:r>
+              <a:rPr lang="en-US" sz="2000" b="1" dirty="0" smtClean="0">
                 <a:solidFill>
                   <a:schemeClr val="bg1">
                     <a:lumMod val="95000"/>
                   </a:schemeClr>
                 </a:solidFill>
               </a:rPr>
-              <a:t>направете уеб страница, която съдържа 6 изображения – </a:t>
-            </a:r>
-            <a:r>
-              <a:rPr lang="en-US" sz="1800" b="1" dirty="0" smtClean="0">
+              <a:t>GIF</a:t>
+            </a:r>
+            <a:r>
+              <a:rPr lang="bg-BG" sz="2000" b="1" dirty="0" smtClean="0">
                 <a:solidFill>
                   <a:schemeClr val="bg1">
                     <a:lumMod val="95000"/>
                   </a:schemeClr>
                 </a:solidFill>
               </a:rPr>
-              <a:t>PSD, JPEG </a:t>
-            </a:r>
-            <a:r>
-              <a:rPr lang="bg-BG" sz="1800" b="1" dirty="0" smtClean="0">
+              <a:t> и всяко изображение е в 2 резолюции – 512</a:t>
+            </a:r>
+            <a:r>
+              <a:rPr lang="en-US" sz="2000" b="1" dirty="0" smtClean="0">
                 <a:solidFill>
                   <a:schemeClr val="bg1">
                     <a:lumMod val="95000"/>
                   </a:schemeClr>
                 </a:solidFill>
               </a:rPr>
-              <a:t>и </a:t>
-            </a:r>
-            <a:r>
-              <a:rPr lang="en-US" sz="1800" b="1" dirty="0" smtClean="0">
+              <a:t>x512px </a:t>
+            </a:r>
+            <a:r>
+              <a:rPr lang="bg-BG" sz="2000" b="1" dirty="0" smtClean="0">
                 <a:solidFill>
                   <a:schemeClr val="bg1">
                     <a:lumMod val="95000"/>
                   </a:schemeClr>
                 </a:solidFill>
               </a:rPr>
-              <a:t>GIF</a:t>
-            </a:r>
-            <a:r>
-              <a:rPr lang="bg-BG" sz="1800" b="1" dirty="0" smtClean="0">
+              <a:t>и </a:t>
+            </a:r>
+            <a:r>
+              <a:rPr lang="en-US" sz="2000" b="1" dirty="0" smtClean="0">
                 <a:solidFill>
                   <a:schemeClr val="bg1">
                     <a:lumMod val="95000"/>
                   </a:schemeClr>
                 </a:solidFill>
               </a:rPr>
-              <a:t> и всяко изображение е в 2 резолюции – 512</a:t>
-            </a:r>
-            <a:r>
-              <a:rPr lang="en-US" sz="1800" b="1" dirty="0" smtClean="0">
+              <a:t>256x256px</a:t>
+            </a:r>
+          </a:p>
+          <a:p>
+            <a:pPr marL="457200" indent="-457200">
+              <a:buAutoNum type="arabicPeriod"/>
+            </a:pPr>
+            <a:r>
+              <a:rPr lang="bg-BG" sz="2000" b="1" dirty="0" smtClean="0">
                 <a:solidFill>
                   <a:schemeClr val="bg1">
                     <a:lumMod val="95000"/>
                   </a:schemeClr>
                 </a:solidFill>
               </a:rPr>
-              <a:t>x512px </a:t>
-            </a:r>
-            <a:r>
-              <a:rPr lang="bg-BG" sz="1800" b="1" dirty="0" smtClean="0">
+              <a:t>Използвайки </a:t>
+            </a:r>
+            <a:r>
+              <a:rPr lang="en-US" sz="2000" b="1" dirty="0" smtClean="0">
                 <a:solidFill>
                   <a:schemeClr val="bg1">
                     <a:lumMod val="95000"/>
                   </a:schemeClr>
                 </a:solidFill>
               </a:rPr>
-              <a:t>и </a:t>
-            </a:r>
-            <a:r>
-              <a:rPr lang="en-US" sz="1800" b="1" dirty="0" smtClean="0">
+              <a:t>PSD </a:t>
+            </a:r>
+            <a:r>
+              <a:rPr lang="bg-BG" sz="2000" b="1" dirty="0" smtClean="0">
                 <a:solidFill>
                   <a:schemeClr val="bg1">
                     <a:lumMod val="95000"/>
                   </a:schemeClr>
                 </a:solidFill>
               </a:rPr>
-              <a:t>256x256px</a:t>
-            </a:r>
-          </a:p>
-          <a:p>
-            <a:pPr marL="457200" indent="-457200">
-              <a:buAutoNum type="arabicPeriod"/>
-            </a:pPr>
-            <a:r>
-              <a:rPr lang="bg-BG" sz="1800" b="1" dirty="0" smtClean="0">
+              <a:t>файла </a:t>
+            </a:r>
+            <a:r>
+              <a:rPr lang="en-US" sz="2000" b="1" dirty="0" smtClean="0">
                 <a:solidFill>
                   <a:schemeClr val="bg1">
                     <a:lumMod val="95000"/>
                   </a:schemeClr>
                 </a:solidFill>
               </a:rPr>
-              <a:t>Използвайки </a:t>
-            </a:r>
-            <a:r>
-              <a:rPr lang="en-US" sz="1800" b="1" dirty="0" smtClean="0">
+              <a:t>07-Photoshop-Tasks\task3.psd,</a:t>
+            </a:r>
+            <a:r>
+              <a:rPr lang="bg-BG" sz="2000" b="1" dirty="0" smtClean="0">
                 <a:solidFill>
                   <a:schemeClr val="bg1">
                     <a:lumMod val="95000"/>
                   </a:schemeClr>
                 </a:solidFill>
               </a:rPr>
-              <a:t>PSD </a:t>
-            </a:r>
-            <a:r>
-              <a:rPr lang="bg-BG" sz="1800" b="1" dirty="0" smtClean="0">
+              <a:t> направете уебстраница, която съдържа </a:t>
+            </a:r>
+            <a:r>
+              <a:rPr lang="en-US" sz="2000" b="1" dirty="0">
                 <a:solidFill>
                   <a:schemeClr val="bg1">
                     <a:lumMod val="95000"/>
                   </a:schemeClr>
                 </a:solidFill>
               </a:rPr>
-              <a:t>файла </a:t>
-            </a:r>
-            <a:r>
-              <a:rPr lang="en-US" sz="1800" b="1" dirty="0" smtClean="0">
+              <a:t>3</a:t>
+            </a:r>
+            <a:r>
+              <a:rPr lang="bg-BG" sz="2000" b="1" dirty="0" smtClean="0">
                 <a:solidFill>
                   <a:schemeClr val="bg1">
                     <a:lumMod val="95000"/>
                   </a:schemeClr>
                 </a:solidFill>
               </a:rPr>
-              <a:t>07-Photoshop-Tasks\task3.psd,</a:t>
-            </a:r>
-            <a:r>
-              <a:rPr lang="bg-BG" sz="1800" b="1" dirty="0" smtClean="0">
+              <a:t> бутона със следното съдържание</a:t>
+            </a:r>
+            <a:r>
+              <a:rPr lang="bg-BG" sz="2000" b="1" dirty="0" smtClean="0">
                 <a:solidFill>
                   <a:schemeClr val="bg1">
                     <a:lumMod val="95000"/>
                   </a:schemeClr>
                 </a:solidFill>
               </a:rPr>
-              <a:t> направете уебстраница, която съдържа </a:t>
-            </a:r>
-            <a:r>
-              <a:rPr lang="en-US" sz="1800" b="1" dirty="0">
+              <a:t>:</a:t>
+            </a:r>
+            <a:endParaRPr lang="en-US" sz="2000" b="1" dirty="0" smtClean="0">
+              <a:solidFill>
+                <a:schemeClr val="bg1">
+                  <a:lumMod val="95000"/>
+                </a:schemeClr>
+              </a:solidFill>
+            </a:endParaRPr>
+          </a:p>
+          <a:p>
+            <a:pPr lvl="1">
+              <a:buFont typeface="Wingdings" panose="05000000000000000000" pitchFamily="2" charset="2"/>
+              <a:buChar char="§"/>
+            </a:pPr>
+            <a:r>
+              <a:rPr lang="en-US" sz="1600" b="1" dirty="0">
                 <a:solidFill>
                   <a:schemeClr val="bg1">
                     <a:lumMod val="95000"/>
                   </a:schemeClr>
                 </a:solidFill>
               </a:rPr>
-              <a:t>3</a:t>
-            </a:r>
-            <a:r>
-              <a:rPr lang="bg-BG" sz="1800" b="1" dirty="0" smtClean="0">
+              <a:t>	OK</a:t>
+            </a:r>
+          </a:p>
+          <a:p>
+            <a:pPr lvl="1">
+              <a:buFont typeface="Wingdings" panose="05000000000000000000" pitchFamily="2" charset="2"/>
+              <a:buChar char="§"/>
+            </a:pPr>
+            <a:r>
+              <a:rPr lang="en-US" sz="1600" b="1" dirty="0">
                 <a:solidFill>
                   <a:schemeClr val="bg1">
                     <a:lumMod val="95000"/>
                   </a:schemeClr>
                 </a:solidFill>
               </a:rPr>
-              <a:t> бутона със следното съдържание:</a:t>
+              <a:t>	Cancel</a:t>
             </a:r>
           </a:p>
           <a:p>
@@ -9233,93 +9246,32 @@
               <a:buChar char="§"/>
             </a:pPr>
             <a:r>
-              <a:rPr lang="en-US" sz="1800" b="1" dirty="0" smtClean="0">
+              <a:rPr lang="en-US" sz="1600" b="1" dirty="0">
                 <a:solidFill>
                   <a:schemeClr val="bg1">
                     <a:lumMod val="95000"/>
                   </a:schemeClr>
                 </a:solidFill>
               </a:rPr>
-              <a:t>	OK</a:t>
-            </a:r>
-          </a:p>
-          <a:p>
-            <a:pPr lvl="1">
-              <a:buFont typeface="Wingdings" panose="05000000000000000000" pitchFamily="2" charset="2"/>
-              <a:buChar char="§"/>
-            </a:pPr>
-            <a:r>
-              <a:rPr lang="en-US" sz="1800" b="1" dirty="0" smtClean="0">
+              <a:t>	Click for more </a:t>
+            </a:r>
+            <a:r>
+              <a:rPr lang="en-US" sz="1600" b="1" dirty="0" smtClean="0">
                 <a:solidFill>
                   <a:schemeClr val="bg1">
                     <a:lumMod val="95000"/>
                   </a:schemeClr>
                 </a:solidFill>
               </a:rPr>
-              <a:t>	Cancel</a:t>
-            </a:r>
-          </a:p>
-          <a:p>
-            <a:pPr lvl="1">
-              <a:buFont typeface="Wingdings" panose="05000000000000000000" pitchFamily="2" charset="2"/>
-              <a:buChar char="§"/>
-            </a:pPr>
-            <a:r>
-              <a:rPr lang="en-US" sz="1800" b="1" dirty="0">
-                <a:solidFill>
-                  <a:schemeClr val="bg1">
-                    <a:lumMod val="95000"/>
-                  </a:schemeClr>
-                </a:solidFill>
-              </a:rPr>
-              <a:t>	</a:t>
-            </a:r>
-            <a:r>
-              <a:rPr lang="en-US" sz="1800" b="1" dirty="0" smtClean="0">
-                <a:solidFill>
-                  <a:schemeClr val="bg1">
-                    <a:lumMod val="95000"/>
-                  </a:schemeClr>
-                </a:solidFill>
-              </a:rPr>
-              <a:t>Click for more information</a:t>
-            </a:r>
-          </a:p>
-          <a:p>
-            <a:pPr lvl="2">
-              <a:buFont typeface="Wingdings" panose="05000000000000000000" pitchFamily="2" charset="2"/>
-              <a:buChar char="§"/>
-            </a:pPr>
-            <a:r>
-              <a:rPr lang="bg-BG" sz="1800" b="1" dirty="0" smtClean="0">
-                <a:solidFill>
-                  <a:schemeClr val="bg1">
-                    <a:lumMod val="95000"/>
-                  </a:schemeClr>
-                </a:solidFill>
-              </a:rPr>
-              <a:t>Бутоните трябва да имат </a:t>
-            </a:r>
-            <a:r>
-              <a:rPr lang="en-US" sz="1800" b="1" dirty="0" smtClean="0">
-                <a:solidFill>
-                  <a:schemeClr val="bg1">
-                    <a:lumMod val="95000"/>
-                  </a:schemeClr>
-                </a:solidFill>
-              </a:rPr>
-              <a:t>hover </a:t>
-            </a:r>
-            <a:r>
-              <a:rPr lang="bg-BG" sz="1800" b="1" dirty="0" smtClean="0">
-                <a:solidFill>
-                  <a:schemeClr val="bg1">
-                    <a:lumMod val="95000"/>
-                  </a:schemeClr>
-                </a:solidFill>
-              </a:rPr>
-              <a:t>ефекти</a:t>
-            </a:r>
+              <a:t>information</a:t>
+            </a:r>
+            <a:endParaRPr lang="en-US" sz="1600" b="1" dirty="0" smtClean="0">
+              <a:solidFill>
+                <a:schemeClr val="bg1">
+                  <a:lumMod val="95000"/>
+                </a:schemeClr>
+              </a:solidFill>
+            </a:endParaRPr>
           </a:p>
         </p:txBody>
       </p:sp>
@@ -9887,112 +9839,191 @@
               <a:buNone/>
             </a:pPr>
             <a:r>
-              <a:rPr lang="bg-BG" sz="1800" b="1" dirty="0" smtClean="0">
+              <a:rPr lang="bg-BG" sz="2000" b="1" dirty="0" smtClean="0">
                 <a:solidFill>
                   <a:schemeClr val="bg1">
                     <a:lumMod val="95000"/>
                   </a:schemeClr>
                 </a:solidFill>
               </a:rPr>
-              <a:t>4.      Използвайки </a:t>
-            </a:r>
-            <a:r>
-              <a:rPr lang="en-US" sz="1800" b="1" dirty="0">
+              <a:t>4.    </a:t>
+            </a:r>
+            <a:r>
+              <a:rPr lang="en-US" sz="2000" b="1" dirty="0" smtClean="0">
                 <a:solidFill>
                   <a:schemeClr val="bg1">
                     <a:lumMod val="95000"/>
                   </a:schemeClr>
                 </a:solidFill>
               </a:rPr>
-              <a:t>PSD </a:t>
-            </a:r>
-            <a:r>
-              <a:rPr lang="bg-BG" sz="1800" b="1" dirty="0">
+              <a:t> </a:t>
+            </a:r>
+            <a:r>
+              <a:rPr lang="bg-BG" sz="2000" b="1" dirty="0">
                 <a:solidFill>
                   <a:schemeClr val="bg1">
                     <a:lumMod val="95000"/>
                   </a:schemeClr>
                 </a:solidFill>
               </a:rPr>
-              <a:t>файла </a:t>
-            </a:r>
-            <a:r>
-              <a:rPr lang="en-US" sz="1800" b="1" dirty="0" smtClean="0">
+              <a:t>Използвайки </a:t>
+            </a:r>
+            <a:r>
+              <a:rPr lang="en-US" sz="2000" b="1" dirty="0">
                 <a:solidFill>
                   <a:schemeClr val="bg1">
                     <a:lumMod val="95000"/>
                   </a:schemeClr>
                 </a:solidFill>
               </a:rPr>
-              <a:t>07-Photoshop-Tasks\task</a:t>
-            </a:r>
-            <a:r>
-              <a:rPr lang="bg-BG" sz="1800" b="1" dirty="0" smtClean="0">
+              <a:t>PSD </a:t>
+            </a:r>
+            <a:r>
+              <a:rPr lang="bg-BG" sz="2000" b="1" dirty="0">
                 <a:solidFill>
                   <a:schemeClr val="bg1">
                     <a:lumMod val="95000"/>
                   </a:schemeClr>
                 </a:solidFill>
               </a:rPr>
-              <a:t>4</a:t>
-            </a:r>
-            <a:r>
-              <a:rPr lang="en-US" sz="1800" b="1" dirty="0" smtClean="0">
+              <a:t>файла </a:t>
+            </a:r>
+            <a:r>
+              <a:rPr lang="en-US" sz="2000" b="1" dirty="0">
                 <a:solidFill>
                   <a:schemeClr val="bg1">
                     <a:lumMod val="95000"/>
                   </a:schemeClr>
                 </a:solidFill>
               </a:rPr>
-              <a:t>.</a:t>
-            </a:r>
-            <a:r>
-              <a:rPr lang="en-US" sz="1800" b="1" dirty="0" err="1" smtClean="0">
+              <a:t>07-Photoshop-Tasks\task4.psd, </a:t>
+            </a:r>
+            <a:r>
+              <a:rPr lang="bg-BG" sz="2000" b="1" dirty="0">
                 <a:solidFill>
                   <a:schemeClr val="bg1">
                     <a:lumMod val="95000"/>
                   </a:schemeClr>
                 </a:solidFill>
               </a:rPr>
-              <a:t>psd</a:t>
-            </a:r>
-            <a:r>
-              <a:rPr lang="bg-BG" sz="1800" b="1" dirty="0">
+              <a:t>направете страница, която максимално да отговаря на дизайна.</a:t>
+            </a:r>
+          </a:p>
+          <a:p>
+            <a:pPr marL="0" indent="0">
+              <a:buNone/>
+            </a:pPr>
+            <a:r>
+              <a:rPr lang="bg-BG" sz="2000" b="1" dirty="0" smtClean="0">
                 <a:solidFill>
                   <a:schemeClr val="bg1">
                     <a:lumMod val="95000"/>
                   </a:schemeClr>
                 </a:solidFill>
               </a:rPr>
-              <a:t>, направете уеб страница, която съдържа подобно меню-навигация</a:t>
-            </a:r>
-          </a:p>
-          <a:p>
-            <a:pPr lvl="1" indent="-342900">
-              <a:buFont typeface="Wingdings" panose="05000000000000000000" pitchFamily="2" charset="2"/>
-              <a:buChar char="§"/>
-            </a:pPr>
-            <a:r>
-              <a:rPr lang="bg-BG" sz="1800" b="1" dirty="0">
+              <a:t>5. </a:t>
+            </a:r>
+            <a:r>
+              <a:rPr lang="bg-BG" sz="2000" b="1" dirty="0">
                 <a:solidFill>
                   <a:schemeClr val="bg1">
                     <a:lumMod val="95000"/>
                   </a:schemeClr>
                 </a:solidFill>
               </a:rPr>
-              <a:t>Старайте се максимално да се доближите до </a:t>
-            </a:r>
-            <a:r>
-              <a:rPr lang="bg-BG" sz="1800" b="1" dirty="0" smtClean="0">
+              <a:t> </a:t>
+            </a:r>
+            <a:r>
+              <a:rPr lang="bg-BG" sz="2000" b="1" dirty="0" smtClean="0">
                 <a:solidFill>
                   <a:schemeClr val="bg1">
                     <a:lumMod val="95000"/>
                   </a:schemeClr>
                 </a:solidFill>
               </a:rPr>
-              <a:t>дизайна</a:t>
-            </a:r>
-            <a:endParaRPr lang="bg-BG" sz="1800" b="1" dirty="0">
+              <a:t>   Използвайки </a:t>
+            </a:r>
+            <a:r>
+              <a:rPr lang="bg-BG" sz="2000" b="1" dirty="0">
+                <a:solidFill>
+                  <a:schemeClr val="bg1">
+                    <a:lumMod val="95000"/>
+                  </a:schemeClr>
+                </a:solidFill>
+              </a:rPr>
+              <a:t>файла </a:t>
+            </a:r>
+            <a:r>
+              <a:rPr lang="en-US" sz="2000" b="1" dirty="0">
+                <a:solidFill>
+                  <a:schemeClr val="bg1">
+                    <a:lumMod val="95000"/>
+                  </a:schemeClr>
+                </a:solidFill>
+              </a:rPr>
+              <a:t>07-Photoshop-Tasks\task5.png, </a:t>
+            </a:r>
+            <a:r>
+              <a:rPr lang="bg-BG" sz="2000" b="1" dirty="0">
+                <a:solidFill>
+                  <a:schemeClr val="bg1">
+                    <a:lumMod val="95000"/>
+                  </a:schemeClr>
+                </a:solidFill>
+              </a:rPr>
+              <a:t>направете страница, която максимално да отговаря на дизайна.</a:t>
+            </a:r>
+          </a:p>
+          <a:p>
+            <a:pPr marL="0" indent="0">
+              <a:buNone/>
+            </a:pPr>
+            <a:r>
+              <a:rPr lang="bg-BG" sz="2000" b="1" dirty="0" smtClean="0">
+                <a:solidFill>
+                  <a:schemeClr val="bg1">
+                    <a:lumMod val="95000"/>
+                  </a:schemeClr>
+                </a:solidFill>
+              </a:rPr>
+              <a:t>6.     Използвайки </a:t>
+            </a:r>
+            <a:r>
+              <a:rPr lang="bg-BG" sz="2000" b="1" dirty="0">
+                <a:solidFill>
+                  <a:schemeClr val="bg1">
+                    <a:lumMod val="95000"/>
+                  </a:schemeClr>
+                </a:solidFill>
+              </a:rPr>
+              <a:t>файла 07-</a:t>
+            </a:r>
+            <a:r>
+              <a:rPr lang="en-US" sz="2000" b="1" dirty="0">
+                <a:solidFill>
+                  <a:schemeClr val="bg1">
+                    <a:lumMod val="95000"/>
+                  </a:schemeClr>
+                </a:solidFill>
+              </a:rPr>
+              <a:t>Photoshop-Tasks\task6.png, </a:t>
+            </a:r>
+            <a:r>
+              <a:rPr lang="bg-BG" sz="2000" b="1" dirty="0">
+                <a:solidFill>
+                  <a:schemeClr val="bg1">
+                    <a:lumMod val="95000"/>
+                  </a:schemeClr>
+                </a:solidFill>
+              </a:rPr>
+              <a:t>направете страница, която максимално да отговаря на дизайна.</a:t>
+            </a:r>
+          </a:p>
+          <a:p>
+            <a:pPr marL="0" indent="0">
+              <a:buNone/>
+            </a:pPr>
+            <a:endParaRPr lang="bg-BG" sz="2000" b="1" dirty="0" smtClean="0">
               <a:solidFill>
                 <a:schemeClr val="bg1">
                   <a:lumMod val="95000"/>
@@ -10000,12 +10031,82 @@
               </a:solidFill>
             </a:endParaRPr>
           </a:p>
+          <a:p>
+            <a:pPr marL="0" indent="0">
+              <a:buNone/>
+            </a:pPr>
+            <a:r>
+              <a:rPr lang="bg-BG" sz="2000" b="1" dirty="0" smtClean="0">
+                <a:solidFill>
+                  <a:schemeClr val="bg1">
+                    <a:lumMod val="95000"/>
+                  </a:schemeClr>
+                </a:solidFill>
+              </a:rPr>
+              <a:t>Срок </a:t>
+            </a:r>
+            <a:r>
+              <a:rPr lang="bg-BG" sz="2000" b="1" dirty="0">
+                <a:solidFill>
+                  <a:schemeClr val="bg1">
+                    <a:lumMod val="95000"/>
+                  </a:schemeClr>
+                </a:solidFill>
+              </a:rPr>
+              <a:t>за изпълнение на задачи 1, 2 и 3 – 11.08.2015 </a:t>
+            </a:r>
+            <a:r>
+              <a:rPr lang="bg-BG" sz="2000" b="1" dirty="0" smtClean="0">
+                <a:solidFill>
+                  <a:schemeClr val="bg1">
+                    <a:lumMod val="95000"/>
+                  </a:schemeClr>
+                </a:solidFill>
+                <a:sym typeface="Wingdings" panose="05000000000000000000" pitchFamily="2" charset="2"/>
+              </a:rPr>
+              <a:t></a:t>
+            </a:r>
+          </a:p>
+          <a:p>
+            <a:pPr marL="0" indent="0">
+              <a:buNone/>
+            </a:pPr>
+            <a:r>
+              <a:rPr lang="bg-BG" sz="2000" b="1" dirty="0" smtClean="0">
+                <a:solidFill>
+                  <a:schemeClr val="bg1">
+                    <a:lumMod val="95000"/>
+                  </a:schemeClr>
+                </a:solidFill>
+                <a:sym typeface="Wingdings" panose="05000000000000000000" pitchFamily="2" charset="2"/>
+              </a:rPr>
+              <a:t>Срок </a:t>
+            </a:r>
+            <a:r>
+              <a:rPr lang="bg-BG" sz="2000" b="1" dirty="0">
+                <a:solidFill>
+                  <a:schemeClr val="bg1">
+                    <a:lumMod val="95000"/>
+                  </a:schemeClr>
+                </a:solidFill>
+                <a:sym typeface="Wingdings" panose="05000000000000000000" pitchFamily="2" charset="2"/>
+              </a:rPr>
+              <a:t>за изпълнение на задачи 4, 5 и 6 – 16.08.2015 </a:t>
+            </a:r>
+            <a:endParaRPr lang="en-US" sz="2000" b="1" dirty="0">
+              <a:solidFill>
+                <a:schemeClr val="bg1">
+                  <a:lumMod val="95000"/>
+                </a:schemeClr>
+              </a:solidFill>
+            </a:endParaRPr>
+          </a:p>
         </p:txBody>
       </p:sp>
     </p:spTree>
     <p:extLst>
       <p:ext uri="{BB962C8B-B14F-4D97-AF65-F5344CB8AC3E}">
-        <p14:creationId xmlns:p14="http://schemas.microsoft.com/office/powerpoint/2010/main" val="1518970540"/>
+        <p14:creationId xmlns:p14="http://schemas.microsoft.com/office/powerpoint/2010/main" val="1607898950"/>
       </p:ext>
     </p:extLst>
   </p:cSld>
